--- a/Slides/Lab3-slides.pptx
+++ b/Slides/Lab3-slides.pptx
@@ -312,7 +312,7 @@
           <a:p>
             <a:fld id="{F0F4D46B-03A2-4829-BAA9-90519C3C6A74}" type="datetimeFigureOut">
               <a:rPr lang="en-US" smtClean="0"/>
-              <a:t>9/21/2019</a:t>
+              <a:t>10/9/2025</a:t>
             </a:fld>
             <a:endParaRPr lang="en-US"/>
           </a:p>
@@ -480,7 +480,7 @@
           <a:p>
             <a:fld id="{F0F4D46B-03A2-4829-BAA9-90519C3C6A74}" type="datetimeFigureOut">
               <a:rPr lang="en-US" smtClean="0"/>
-              <a:t>9/21/2019</a:t>
+              <a:t>10/9/2025</a:t>
             </a:fld>
             <a:endParaRPr lang="en-US"/>
           </a:p>
@@ -658,7 +658,7 @@
           <a:p>
             <a:fld id="{F0F4D46B-03A2-4829-BAA9-90519C3C6A74}" type="datetimeFigureOut">
               <a:rPr lang="en-US" smtClean="0"/>
-              <a:t>9/21/2019</a:t>
+              <a:t>10/9/2025</a:t>
             </a:fld>
             <a:endParaRPr lang="en-US"/>
           </a:p>
@@ -826,7 +826,7 @@
           <a:p>
             <a:fld id="{F0F4D46B-03A2-4829-BAA9-90519C3C6A74}" type="datetimeFigureOut">
               <a:rPr lang="en-US" smtClean="0"/>
-              <a:t>9/21/2019</a:t>
+              <a:t>10/9/2025</a:t>
             </a:fld>
             <a:endParaRPr lang="en-US"/>
           </a:p>
@@ -1071,7 +1071,7 @@
           <a:p>
             <a:fld id="{F0F4D46B-03A2-4829-BAA9-90519C3C6A74}" type="datetimeFigureOut">
               <a:rPr lang="en-US" smtClean="0"/>
-              <a:t>9/21/2019</a:t>
+              <a:t>10/9/2025</a:t>
             </a:fld>
             <a:endParaRPr lang="en-US"/>
           </a:p>
@@ -1300,7 +1300,7 @@
           <a:p>
             <a:fld id="{F0F4D46B-03A2-4829-BAA9-90519C3C6A74}" type="datetimeFigureOut">
               <a:rPr lang="en-US" smtClean="0"/>
-              <a:t>9/21/2019</a:t>
+              <a:t>10/9/2025</a:t>
             </a:fld>
             <a:endParaRPr lang="en-US"/>
           </a:p>
@@ -1664,7 +1664,7 @@
           <a:p>
             <a:fld id="{F0F4D46B-03A2-4829-BAA9-90519C3C6A74}" type="datetimeFigureOut">
               <a:rPr lang="en-US" smtClean="0"/>
-              <a:t>9/21/2019</a:t>
+              <a:t>10/9/2025</a:t>
             </a:fld>
             <a:endParaRPr lang="en-US"/>
           </a:p>
@@ -1781,7 +1781,7 @@
           <a:p>
             <a:fld id="{F0F4D46B-03A2-4829-BAA9-90519C3C6A74}" type="datetimeFigureOut">
               <a:rPr lang="en-US" smtClean="0"/>
-              <a:t>9/21/2019</a:t>
+              <a:t>10/9/2025</a:t>
             </a:fld>
             <a:endParaRPr lang="en-US"/>
           </a:p>
@@ -1876,7 +1876,7 @@
           <a:p>
             <a:fld id="{F0F4D46B-03A2-4829-BAA9-90519C3C6A74}" type="datetimeFigureOut">
               <a:rPr lang="en-US" smtClean="0"/>
-              <a:t>9/21/2019</a:t>
+              <a:t>10/9/2025</a:t>
             </a:fld>
             <a:endParaRPr lang="en-US"/>
           </a:p>
@@ -2151,7 +2151,7 @@
           <a:p>
             <a:fld id="{F0F4D46B-03A2-4829-BAA9-90519C3C6A74}" type="datetimeFigureOut">
               <a:rPr lang="en-US" smtClean="0"/>
-              <a:t>9/21/2019</a:t>
+              <a:t>10/9/2025</a:t>
             </a:fld>
             <a:endParaRPr lang="en-US"/>
           </a:p>
@@ -2403,7 +2403,7 @@
           <a:p>
             <a:fld id="{F0F4D46B-03A2-4829-BAA9-90519C3C6A74}" type="datetimeFigureOut">
               <a:rPr lang="en-US" smtClean="0"/>
-              <a:t>9/21/2019</a:t>
+              <a:t>10/9/2025</a:t>
             </a:fld>
             <a:endParaRPr lang="en-US"/>
           </a:p>
@@ -2614,7 +2614,7 @@
           <a:p>
             <a:fld id="{F0F4D46B-03A2-4829-BAA9-90519C3C6A74}" type="datetimeFigureOut">
               <a:rPr lang="en-US" smtClean="0"/>
-              <a:t>9/21/2019</a:t>
+              <a:t>10/9/2025</a:t>
             </a:fld>
             <a:endParaRPr lang="en-US"/>
           </a:p>
@@ -3035,16 +3035,12 @@
           <a:lstStyle/>
           <a:p>
             <a:r>
-              <a:rPr lang="en-US" dirty="0" err="1" smtClean="0"/>
+              <a:rPr lang="en-US" dirty="0" err="1"/>
               <a:t>CSSSKL</a:t>
             </a:r>
             <a:r>
-              <a:rPr lang="en-US" dirty="0" smtClean="0"/>
-              <a:t> 342 </a:t>
-            </a:r>
-            <a:r>
-              <a:rPr lang="en-US" dirty="0"/>
-              <a:t>Lab 3</a:t>
+              <a:rPr lang="en-US" dirty="0"/>
+              <a:t> 342 Lab 3</a:t>
             </a:r>
           </a:p>
         </p:txBody>
@@ -3269,7 +3265,7 @@
           <p:cNvPr id="2" name="Title 1">
             <a:extLst>
               <a:ext uri="{FF2B5EF4-FFF2-40B4-BE49-F238E27FC236}">
-                <a16:creationId xmlns:a16="http://schemas.microsoft.com/office/drawing/2014/main" xmlns="" id="{B80C2317-3AB3-438F-8FE7-E52BED88C990}"/>
+                <a16:creationId xmlns:a16="http://schemas.microsoft.com/office/drawing/2014/main" id="{B80C2317-3AB3-438F-8FE7-E52BED88C990}"/>
               </a:ext>
             </a:extLst>
           </p:cNvPr>
@@ -3297,7 +3293,7 @@
           <p:cNvPr id="3" name="Content Placeholder 2">
             <a:extLst>
               <a:ext uri="{FF2B5EF4-FFF2-40B4-BE49-F238E27FC236}">
-                <a16:creationId xmlns:a16="http://schemas.microsoft.com/office/drawing/2014/main" xmlns="" id="{4CD3FD00-FDB7-4994-AEE3-B53BCF2A67D1}"/>
+                <a16:creationId xmlns:a16="http://schemas.microsoft.com/office/drawing/2014/main" id="{4CD3FD00-FDB7-4994-AEE3-B53BCF2A67D1}"/>
               </a:ext>
             </a:extLst>
           </p:cNvPr>
@@ -3391,7 +3387,7 @@
           <p:cNvPr id="4" name="Picture 3">
             <a:extLst>
               <a:ext uri="{FF2B5EF4-FFF2-40B4-BE49-F238E27FC236}">
-                <a16:creationId xmlns:a16="http://schemas.microsoft.com/office/drawing/2014/main" xmlns="" id="{7C0A6589-FE2C-4629-9514-D0091E9009BD}"/>
+                <a16:creationId xmlns:a16="http://schemas.microsoft.com/office/drawing/2014/main" id="{7C0A6589-FE2C-4629-9514-D0091E9009BD}"/>
               </a:ext>
             </a:extLst>
           </p:cNvPr>
@@ -3421,7 +3417,7 @@
           <p:cNvPr id="5" name="Rectangle 4">
             <a:extLst>
               <a:ext uri="{FF2B5EF4-FFF2-40B4-BE49-F238E27FC236}">
-                <a16:creationId xmlns:a16="http://schemas.microsoft.com/office/drawing/2014/main" xmlns="" id="{56595886-9E48-474B-9975-CFB21348469E}"/>
+                <a16:creationId xmlns:a16="http://schemas.microsoft.com/office/drawing/2014/main" id="{56595886-9E48-474B-9975-CFB21348469E}"/>
               </a:ext>
             </a:extLst>
           </p:cNvPr>
@@ -3455,7 +3451,7 @@
           <p:cNvPr id="6" name="Content Placeholder 2">
             <a:extLst>
               <a:ext uri="{FF2B5EF4-FFF2-40B4-BE49-F238E27FC236}">
-                <a16:creationId xmlns:a16="http://schemas.microsoft.com/office/drawing/2014/main" xmlns="" id="{46F3297F-958E-4609-8ADF-933EC8F80622}"/>
+                <a16:creationId xmlns:a16="http://schemas.microsoft.com/office/drawing/2014/main" id="{46F3297F-958E-4609-8ADF-933EC8F80622}"/>
               </a:ext>
             </a:extLst>
           </p:cNvPr>
@@ -4174,27 +4170,11 @@
             </a:r>
             <a:r>
               <a:rPr lang="en-US" dirty="0" err="1"/>
-              <a:t>ACppClass</a:t>
-            </a:r>
-            <a:r>
-              <a:rPr lang="en-US" dirty="0"/>
-              <a:t>&amp; </a:t>
-            </a:r>
-            <a:r>
-              <a:rPr lang="en-US" dirty="0" err="1"/>
               <a:t>AcppClass</a:t>
             </a:r>
             <a:r>
               <a:rPr lang="en-US" dirty="0"/>
-              <a:t>(</a:t>
-            </a:r>
-            <a:r>
-              <a:rPr lang="en-US" dirty="0" err="1"/>
-              <a:t>const</a:t>
-            </a:r>
-            <a:r>
-              <a:rPr lang="en-US" dirty="0"/>
-              <a:t> </a:t>
+              <a:t>(const </a:t>
             </a:r>
             <a:r>
               <a:rPr lang="en-US" dirty="0" err="1"/>
@@ -5467,27 +5447,11 @@
             </a:r>
             <a:r>
               <a:rPr lang="en-US" dirty="0" err="1"/>
-              <a:t>ACppClass</a:t>
-            </a:r>
-            <a:r>
-              <a:rPr lang="en-US" dirty="0"/>
-              <a:t>&amp; </a:t>
-            </a:r>
-            <a:r>
-              <a:rPr lang="en-US" dirty="0" err="1"/>
               <a:t>AcppClass</a:t>
             </a:r>
             <a:r>
               <a:rPr lang="en-US" dirty="0"/>
-              <a:t>(</a:t>
-            </a:r>
-            <a:r>
-              <a:rPr lang="en-US" dirty="0" err="1"/>
-              <a:t>const</a:t>
-            </a:r>
-            <a:r>
-              <a:rPr lang="en-US" dirty="0"/>
-              <a:t> </a:t>
+              <a:t>(const </a:t>
             </a:r>
             <a:r>
               <a:rPr lang="en-US" dirty="0" err="1"/>
@@ -5976,46 +5940,40 @@
           <a:lstStyle/>
           <a:p>
             <a:r>
-              <a:rPr lang="en-US" dirty="0" smtClean="0"/>
+              <a:rPr lang="en-US" dirty="0"/>
               <a:t>Two Types of Special Overloading</a:t>
             </a:r>
+          </a:p>
+        </p:txBody>
+      </p:sp>
+      <p:sp>
+        <p:nvSpPr>
+          <p:cNvPr id="3" name="Content Placeholder 2"/>
+          <p:cNvSpPr>
+            <a:spLocks noGrp="1"/>
+          </p:cNvSpPr>
+          <p:nvPr>
+            <p:ph idx="1"/>
+          </p:nvPr>
+        </p:nvSpPr>
+        <p:spPr/>
+        <p:txBody>
+          <a:bodyPr/>
+          <a:lstStyle/>
+          <a:p>
+            <a:r>
+              <a:rPr lang="en-US" dirty="0"/>
+              <a:t>Stream operators: &lt;&lt; and &gt;&gt;</a:t>
+            </a:r>
+          </a:p>
+          <a:p>
             <a:endParaRPr lang="en-US" dirty="0"/>
           </a:p>
-        </p:txBody>
-      </p:sp>
-      <p:sp>
-        <p:nvSpPr>
-          <p:cNvPr id="3" name="Content Placeholder 2"/>
-          <p:cNvSpPr>
-            <a:spLocks noGrp="1"/>
-          </p:cNvSpPr>
-          <p:nvPr>
-            <p:ph idx="1"/>
-          </p:nvPr>
-        </p:nvSpPr>
-        <p:spPr/>
-        <p:txBody>
-          <a:bodyPr/>
-          <a:lstStyle/>
-          <a:p>
-            <a:r>
-              <a:rPr lang="en-US" dirty="0" smtClean="0"/>
-              <a:t>Stream operators: &lt;&lt; and &gt;&gt;</a:t>
-            </a:r>
-          </a:p>
-          <a:p>
-            <a:endParaRPr lang="en-US" dirty="0"/>
-          </a:p>
-          <a:p>
-            <a:r>
-              <a:rPr lang="en-US" dirty="0"/>
-              <a:t>Increment/decrement </a:t>
-            </a:r>
-            <a:r>
-              <a:rPr lang="en-US" dirty="0" smtClean="0"/>
-              <a:t>operators: ++, --</a:t>
-            </a:r>
-            <a:endParaRPr lang="en-US" dirty="0"/>
+          <a:p>
+            <a:r>
+              <a:rPr lang="en-US" dirty="0"/>
+              <a:t>Increment/decrement operators: ++, --</a:t>
+            </a:r>
           </a:p>
         </p:txBody>
       </p:sp>
